--- a/Danny/Onderwijs/Statistiek/2024-2025/Slides/Nieuwe slides/Statistiek 2024-2025 -- college 12 -- correlatie en regressie.pptx
+++ b/Danny/Onderwijs/Statistiek/2024-2025/Slides/Nieuwe slides/Statistiek 2024-2025 -- college 12 -- correlatie en regressie.pptx
@@ -4366,7 +4366,7 @@
           <a:p>
             <a:fld id="{5670BF5D-6203-4D16-A61E-ECF40410EB14}" type="datetime4">
               <a:rPr lang="nl-NL" smtClean="0"/>
-              <a:t>9 juli 2025</a:t>
+              <a:t>16 juli 2025</a:t>
             </a:fld>
             <a:endParaRPr lang="nl-NL" dirty="0"/>
           </a:p>
@@ -4509,7 +4509,7 @@
           <a:p>
             <a:fld id="{C6FDA504-7E13-45CA-8E9E-72B35D8CAC02}" type="datetime4">
               <a:rPr lang="nl-NL" smtClean="0"/>
-              <a:t>9 juli 2025</a:t>
+              <a:t>16 juli 2025</a:t>
             </a:fld>
             <a:endParaRPr lang="nl-NL"/>
           </a:p>
@@ -4663,7 +4663,7 @@
           <a:p>
             <a:fld id="{13D3C7E0-C839-4905-81E3-032B35F986F8}" type="datetime4">
               <a:rPr lang="nl-NL" smtClean="0"/>
-              <a:t>9 juli 2025</a:t>
+              <a:t>16 juli 2025</a:t>
             </a:fld>
             <a:endParaRPr lang="nl-NL"/>
           </a:p>
@@ -4913,7 +4913,7 @@
           <a:p>
             <a:fld id="{04BB360E-D62F-4628-984F-A07E7DB67C1D}" type="datetime4">
               <a:rPr lang="nl-NL" smtClean="0"/>
-              <a:t>9 juli 2025</a:t>
+              <a:t>16 juli 2025</a:t>
             </a:fld>
             <a:endParaRPr lang="nl-NL"/>
           </a:p>
@@ -5302,7 +5302,7 @@
           <a:p>
             <a:fld id="{22577BC4-1B19-46E8-A5D0-BCD7816BE1D2}" type="datetime4">
               <a:rPr lang="nl-NL" smtClean="0"/>
-              <a:t>9 juli 2025</a:t>
+              <a:t>16 juli 2025</a:t>
             </a:fld>
             <a:endParaRPr lang="nl-NL"/>
           </a:p>
@@ -5382,7 +5382,7 @@
           <a:p>
             <a:fld id="{C73D3065-9EDD-4E18-9586-AAE0612B4711}" type="datetime4">
               <a:rPr lang="nl-NL" smtClean="0"/>
-              <a:t>9 juli 2025</a:t>
+              <a:t>16 juli 2025</a:t>
             </a:fld>
             <a:endParaRPr lang="nl-NL"/>
           </a:p>
@@ -5439,7 +5439,7 @@
           <a:p>
             <a:fld id="{E7703200-CD6A-4C16-9B25-30C26A2E303B}" type="datetime4">
               <a:rPr lang="nl-NL" smtClean="0"/>
-              <a:t>9 juli 2025</a:t>
+              <a:t>16 juli 2025</a:t>
             </a:fld>
             <a:endParaRPr lang="nl-NL"/>
           </a:p>
@@ -5678,7 +5678,7 @@
           <a:p>
             <a:fld id="{5EA98B9B-12F1-4ABD-AB7E-5605E53B0E55}" type="datetime4">
               <a:rPr lang="nl-NL" smtClean="0"/>
-              <a:t>9 juli 2025</a:t>
+              <a:t>16 juli 2025</a:t>
             </a:fld>
             <a:endParaRPr lang="nl-NL"/>
           </a:p>
@@ -6068,7 +6068,7 @@
           <a:p>
             <a:fld id="{142C9F29-C7BF-4FD9-BB26-359ABA1DF54F}" type="datetime4">
               <a:rPr lang="nl-NL" smtClean="0"/>
-              <a:t>9 juli 2025</a:t>
+              <a:t>16 juli 2025</a:t>
             </a:fld>
             <a:endParaRPr lang="nl-NL"/>
           </a:p>
@@ -6200,7 +6200,7 @@
           <a:p>
             <a:fld id="{60057C1D-F168-421C-BB49-06191A95F32F}" type="datetime4">
               <a:rPr lang="nl-NL" smtClean="0"/>
-              <a:t>9 juli 2025</a:t>
+              <a:t>16 juli 2025</a:t>
             </a:fld>
             <a:endParaRPr lang="nl-NL"/>
           </a:p>
@@ -11304,7 +11304,7 @@
           <a:p>
             <a:fld id="{3AEB11A4-0748-467A-B6DF-FD54CF264AF0}" type="datetime4">
               <a:rPr lang="nl-NL" smtClean="0"/>
-              <a:t>9 juli 2025</a:t>
+              <a:t>16 juli 2025</a:t>
             </a:fld>
             <a:endParaRPr lang="nl-NL"/>
           </a:p>
@@ -12633,8 +12633,12 @@
               <a:defRPr/>
             </a:pPr>
             <a:r>
+              <a:rPr lang="nl-NL" smtClean="0"/>
+              <a:t>16 juli </a:t>
+            </a:r>
+            <a:r>
               <a:rPr lang="nl-NL" dirty="0" smtClean="0"/>
-              <a:t>Juli 2025</a:t>
+              <a:t>2025</a:t>
             </a:r>
             <a:endParaRPr lang="nl-NL" dirty="0"/>
           </a:p>
@@ -13426,7 +13430,7 @@
                 <a:tabLst/>
                 <a:defRPr/>
               </a:pPr>
-              <a:t>9 juli 2025</a:t>
+              <a:t>16 juli 2025</a:t>
             </a:fld>
             <a:endParaRPr kumimoji="0" lang="nl-NL" sz="1100" b="0" i="0" u="none" strike="noStrike" kern="1200" cap="none" spc="0" normalizeH="0" baseline="0" noProof="0">
               <a:ln>
@@ -13716,7 +13720,7 @@
                 <a:tabLst/>
                 <a:defRPr/>
               </a:pPr>
-              <a:t>9 juli 2025</a:t>
+              <a:t>16 juli 2025</a:t>
             </a:fld>
             <a:endParaRPr kumimoji="0" lang="nl-NL" sz="1100" b="0" i="0" u="none" strike="noStrike" kern="1200" cap="none" spc="0" normalizeH="0" baseline="0" noProof="0">
               <a:ln>
@@ -14040,7 +14044,7 @@
                 <a:tabLst/>
                 <a:defRPr/>
               </a:pPr>
-              <a:t>9 juli 2025</a:t>
+              <a:t>16 juli 2025</a:t>
             </a:fld>
             <a:endParaRPr kumimoji="0" lang="nl-NL" sz="1100" b="0" i="0" u="none" strike="noStrike" kern="1200" cap="none" spc="0" normalizeH="0" baseline="0" noProof="0">
               <a:ln>
@@ -14637,7 +14641,7 @@
                 <a:tabLst/>
                 <a:defRPr/>
               </a:pPr>
-              <a:t>9 juli 2025</a:t>
+              <a:t>16 juli 2025</a:t>
             </a:fld>
             <a:endParaRPr kumimoji="0" lang="nl-NL" sz="1100" b="0" i="0" u="none" strike="noStrike" kern="1200" cap="none" spc="0" normalizeH="0" baseline="0" noProof="0">
               <a:ln>
@@ -15971,7 +15975,7 @@
                 <a:tabLst/>
                 <a:defRPr/>
               </a:pPr>
-              <a:t>9 juli 2025</a:t>
+              <a:t>16 juli 2025</a:t>
             </a:fld>
             <a:endParaRPr kumimoji="0" lang="nl-NL" sz="1100" b="0" i="0" u="none" strike="noStrike" kern="1200" cap="none" spc="0" normalizeH="0" baseline="0" noProof="0">
               <a:ln>
@@ -15990,8 +15994,8 @@
           </a:p>
         </p:txBody>
       </p:sp>
-      <mc:AlternateContent xmlns:mc="http://schemas.openxmlformats.org/markup-compatibility/2006">
-        <mc:Choice xmlns:a14="http://schemas.microsoft.com/office/drawing/2010/main" Requires="a14">
+      <mc:AlternateContent xmlns:mc="http://schemas.openxmlformats.org/markup-compatibility/2006" xmlns:a14="http://schemas.microsoft.com/office/drawing/2010/main">
+        <mc:Choice Requires="a14">
           <p:graphicFrame>
             <p:nvGraphicFramePr>
               <p:cNvPr id="5" name="Tabel 4"/>
@@ -17291,7 +17295,7 @@
             </a:graphic>
           </p:graphicFrame>
         </mc:Choice>
-        <mc:Fallback>
+        <mc:Fallback xmlns="">
           <p:graphicFrame>
             <p:nvGraphicFramePr>
               <p:cNvPr id="5" name="Tabel 4"/>
@@ -18250,7 +18254,7 @@
                 <a:tabLst/>
                 <a:defRPr/>
               </a:pPr>
-              <a:t>9 juli 2025</a:t>
+              <a:t>16 juli 2025</a:t>
             </a:fld>
             <a:endParaRPr kumimoji="0" lang="nl-NL" sz="1100" b="0" i="0" u="none" strike="noStrike" kern="1200" cap="none" spc="0" normalizeH="0" baseline="0" noProof="0">
               <a:ln>
@@ -18475,7 +18479,7 @@
                 <a:tabLst/>
                 <a:defRPr/>
               </a:pPr>
-              <a:t>9 juli 2025</a:t>
+              <a:t>16 juli 2025</a:t>
             </a:fld>
             <a:endParaRPr kumimoji="0" lang="nl-NL" sz="1100" b="0" i="0" u="none" strike="noStrike" kern="1200" cap="none" spc="0" normalizeH="0" baseline="0" noProof="0">
               <a:ln>
@@ -19741,7 +19745,7 @@
                 <a:tabLst/>
                 <a:defRPr/>
               </a:pPr>
-              <a:t>9 juli 2025</a:t>
+              <a:t>16 juli 2025</a:t>
             </a:fld>
             <a:endParaRPr kumimoji="0" lang="nl-NL" sz="1100" b="0" i="0" u="none" strike="noStrike" kern="1200" cap="none" spc="0" normalizeH="0" baseline="0" noProof="0">
               <a:ln>
@@ -25556,7 +25560,7 @@
                 <a:tabLst/>
                 <a:defRPr/>
               </a:pPr>
-              <a:t>9 juli 2025</a:t>
+              <a:t>16 juli 2025</a:t>
             </a:fld>
             <a:endParaRPr kumimoji="0" lang="nl-NL" sz="1100" b="0" i="0" u="none" strike="noStrike" kern="1200" cap="none" spc="0" normalizeH="0" baseline="0" noProof="0">
               <a:ln>
@@ -25826,7 +25830,7 @@
                 <a:tabLst/>
                 <a:defRPr/>
               </a:pPr>
-              <a:t>9 juli 2025</a:t>
+              <a:t>16 juli 2025</a:t>
             </a:fld>
             <a:endParaRPr kumimoji="0" lang="nl-NL" sz="1100" b="0" i="0" u="none" strike="noStrike" kern="1200" cap="none" spc="0" normalizeH="0" baseline="0" noProof="0" dirty="0">
               <a:ln>
@@ -26148,8 +26152,16 @@
               <a:defRPr/>
             </a:pPr>
             <a:r>
-              <a:rPr lang="nl-NL" smtClean="0"/>
-              <a:t>Mei 2025</a:t>
+              <a:rPr lang="nl-NL" dirty="0" smtClean="0"/>
+              <a:t>16 juli</a:t>
+            </a:r>
+            <a:r>
+              <a:rPr lang="nl-NL" dirty="0" smtClean="0"/>
+              <a:t> </a:t>
+            </a:r>
+            <a:r>
+              <a:rPr lang="nl-NL" dirty="0" smtClean="0"/>
+              <a:t>2025</a:t>
             </a:r>
             <a:endParaRPr lang="nl-NL" dirty="0"/>
           </a:p>
@@ -26210,8 +26222,8 @@
           </a:p>
         </p:txBody>
       </p:sp>
-      <mc:AlternateContent xmlns:mc="http://schemas.openxmlformats.org/markup-compatibility/2006">
-        <mc:Choice xmlns:a14="http://schemas.microsoft.com/office/drawing/2010/main" Requires="a14">
+      <mc:AlternateContent xmlns:mc="http://schemas.openxmlformats.org/markup-compatibility/2006" xmlns:a14="http://schemas.microsoft.com/office/drawing/2010/main">
+        <mc:Choice Requires="a14">
           <p:sp>
             <p:nvSpPr>
               <p:cNvPr id="7" name="Tijdelijke aanduiding voor inhoud 6"/>
@@ -26595,11 +26607,7 @@
                 </a:r>
                 <a:r>
                   <a:rPr lang="nl-NL" dirty="0" smtClean="0"/>
-                  <a:t> die externe factoren van onzekerheid </a:t>
-                </a:r>
-                <a:r>
-                  <a:rPr lang="nl-NL" dirty="0" smtClean="0"/>
-                  <a:t>meeneemt</a:t>
+                  <a:t> die externe factoren van onzekerheid meeneemt</a:t>
                 </a:r>
               </a:p>
               <a:p>
@@ -26616,7 +26624,7 @@
             </p:txBody>
           </p:sp>
         </mc:Choice>
-        <mc:Fallback>
+        <mc:Fallback xmlns="">
           <p:sp>
             <p:nvSpPr>
               <p:cNvPr id="7" name="Tijdelijke aanduiding voor inhoud 6"/>
@@ -26718,7 +26726,7 @@
                 <a:tabLst/>
                 <a:defRPr/>
               </a:pPr>
-              <a:t>9 juli 2025</a:t>
+              <a:t>16 juli 2025</a:t>
             </a:fld>
             <a:endParaRPr kumimoji="0" lang="nl-NL" sz="1100" b="0" i="0" u="none" strike="noStrike" kern="1200" cap="none" spc="0" normalizeH="0" baseline="0" noProof="0" dirty="0">
               <a:ln>
@@ -26797,8 +26805,8 @@
           </a:p>
         </p:txBody>
       </p:sp>
-      <mc:AlternateContent xmlns:mc="http://schemas.openxmlformats.org/markup-compatibility/2006">
-        <mc:Choice xmlns:a14="http://schemas.microsoft.com/office/drawing/2010/main" Requires="a14">
+      <mc:AlternateContent xmlns:mc="http://schemas.openxmlformats.org/markup-compatibility/2006" xmlns:a14="http://schemas.microsoft.com/office/drawing/2010/main">
+        <mc:Choice Requires="a14">
           <p:sp>
             <p:nvSpPr>
               <p:cNvPr id="7" name="Tijdelijke aanduiding voor inhoud 6"/>
@@ -26931,11 +26939,7 @@
               <a:p>
                 <a:r>
                   <a:rPr lang="nl-NL" b="1" dirty="0" smtClean="0"/>
-                  <a:t>Doel</a:t>
-                </a:r>
-                <a:r>
-                  <a:rPr lang="nl-NL" b="1" dirty="0" smtClean="0"/>
-                  <a:t>: </a:t>
+                  <a:t>Doel: </a:t>
                 </a:r>
                 <a:r>
                   <a:rPr lang="nl-NL" dirty="0" smtClean="0"/>
@@ -26951,11 +26955,7 @@
                 </a:r>
                 <a:r>
                   <a:rPr lang="nl-NL" dirty="0" smtClean="0"/>
-                  <a:t> </a:t>
-                </a:r>
-                <a:r>
-                  <a:rPr lang="nl-NL" dirty="0" smtClean="0"/>
-                  <a:t>de (onbekende) parameters </a:t>
+                  <a:t> de (onbekende) parameters </a:t>
                 </a:r>
                 <a14:m>
                   <m:oMath xmlns:m="http://schemas.openxmlformats.org/officeDocument/2006/math">
@@ -27074,7 +27074,7 @@
             </p:txBody>
           </p:sp>
         </mc:Choice>
-        <mc:Fallback>
+        <mc:Fallback xmlns="">
           <p:sp>
             <p:nvSpPr>
               <p:cNvPr id="7" name="Tijdelijke aanduiding voor inhoud 6"/>
@@ -27176,7 +27176,7 @@
                 <a:tabLst/>
                 <a:defRPr/>
               </a:pPr>
-              <a:t>9 juli 2025</a:t>
+              <a:t>16 juli 2025</a:t>
             </a:fld>
             <a:endParaRPr kumimoji="0" lang="nl-NL" sz="1100" b="0" i="0" u="none" strike="noStrike" kern="1200" cap="none" spc="0" normalizeH="0" baseline="0" noProof="0" dirty="0">
               <a:ln>
@@ -27395,7 +27395,7 @@
                 <a:tabLst/>
                 <a:defRPr/>
               </a:pPr>
-              <a:t>9 juli 2025</a:t>
+              <a:t>16 juli 2025</a:t>
             </a:fld>
             <a:endParaRPr kumimoji="0" lang="nl-NL" sz="1100" b="0" i="0" u="none" strike="noStrike" kern="1200" cap="none" spc="0" normalizeH="0" baseline="0" noProof="0" dirty="0">
               <a:ln>
@@ -27504,8 +27504,8 @@
           </a:p>
         </p:txBody>
       </p:sp>
-      <mc:AlternateContent xmlns:mc="http://schemas.openxmlformats.org/markup-compatibility/2006">
-        <mc:Choice xmlns:a14="http://schemas.microsoft.com/office/drawing/2010/main" Requires="a14">
+      <mc:AlternateContent xmlns:mc="http://schemas.openxmlformats.org/markup-compatibility/2006" xmlns:a14="http://schemas.microsoft.com/office/drawing/2010/main">
+        <mc:Choice Requires="a14">
           <p:sp>
             <p:nvSpPr>
               <p:cNvPr id="7" name="Tijdelijke aanduiding voor inhoud 6"/>
@@ -27528,17 +27528,14 @@
               <a:p>
                 <a:r>
                   <a:rPr lang="nl-NL" sz="2200" dirty="0" smtClean="0"/>
-                  <a:t>De datapunten liggen niet perfect op een lijn, dus moeten we een “best passende” lijn </a:t>
-                </a:r>
-                <a:r>
-                  <a:rPr lang="nl-NL" sz="2200" dirty="0" smtClean="0"/>
-                  <a:t>bepalen:</a:t>
+                  <a:t>De datapunten liggen niet perfect op een lijn, dus moeten we een “best passende” lijn bepalen:</a:t>
                 </a:r>
                 <a:endParaRPr lang="nl-NL" sz="2200" b="0" i="1" dirty="0" smtClean="0">
                   <a:latin typeface="Cambria Math" panose="02040503050406030204" pitchFamily="18" charset="0"/>
                 </a:endParaRPr>
               </a:p>
               <a:p>
+                <a:pPr/>
                 <a14:m>
                   <m:oMathPara xmlns:m="http://schemas.openxmlformats.org/officeDocument/2006/math">
                     <m:oMathParaPr>
@@ -27677,15 +27674,7 @@
                 </a14:m>
                 <a:r>
                   <a:rPr lang="nl-NL" sz="2200" b="1" dirty="0" smtClean="0"/>
-                  <a:t> bekijken we de verticale afstand tussen </a:t>
-                </a:r>
-                <a:r>
-                  <a:rPr lang="nl-NL" sz="2200" b="1" dirty="0" smtClean="0"/>
-                  <a:t>de </a:t>
-                </a:r>
-                <a:r>
-                  <a:rPr lang="nl-NL" sz="2200" b="1" dirty="0" smtClean="0"/>
-                  <a:t>“daadwerkelijke” </a:t>
+                  <a:t> bekijken we de verticale afstand tussen de “daadwerkelijke” </a:t>
                 </a:r>
                 <a14:m>
                   <m:oMath xmlns:m="http://schemas.openxmlformats.org/officeDocument/2006/math">
@@ -28387,7 +28376,7 @@
             </p:txBody>
           </p:sp>
         </mc:Choice>
-        <mc:Fallback>
+        <mc:Fallback xmlns="">
           <p:sp>
             <p:nvSpPr>
               <p:cNvPr id="7" name="Tijdelijke aanduiding voor inhoud 6"/>
@@ -28489,7 +28478,7 @@
                 <a:tabLst/>
                 <a:defRPr/>
               </a:pPr>
-              <a:t>9 juli 2025</a:t>
+              <a:t>16 juli 2025</a:t>
             </a:fld>
             <a:endParaRPr kumimoji="0" lang="nl-NL" sz="1100" b="0" i="0" u="none" strike="noStrike" kern="1200" cap="none" spc="0" normalizeH="0" baseline="0" noProof="0" dirty="0">
               <a:ln>
@@ -28568,8 +28557,8 @@
           </a:p>
         </p:txBody>
       </p:sp>
-      <mc:AlternateContent xmlns:mc="http://schemas.openxmlformats.org/markup-compatibility/2006">
-        <mc:Choice xmlns:a14="http://schemas.microsoft.com/office/drawing/2010/main" Requires="a14">
+      <mc:AlternateContent xmlns:mc="http://schemas.openxmlformats.org/markup-compatibility/2006" xmlns:a14="http://schemas.microsoft.com/office/drawing/2010/main">
+        <mc:Choice Requires="a14">
           <p:sp>
             <p:nvSpPr>
               <p:cNvPr id="7" name="Tijdelijke aanduiding voor inhoud 6"/>
@@ -29015,7 +29004,6 @@
                   <a:rPr lang="nl-NL" dirty="0" smtClean="0"/>
                   <a:t> de volgende waardes aannemen:</a:t>
                 </a:r>
-                <a:endParaRPr lang="nl-NL" dirty="0" smtClean="0"/>
               </a:p>
               <a:p>
                 <a:endParaRPr lang="nl-NL" b="1" dirty="0"/>
@@ -29298,7 +29286,7 @@
             </p:txBody>
           </p:sp>
         </mc:Choice>
-        <mc:Fallback>
+        <mc:Fallback xmlns="">
           <p:sp>
             <p:nvSpPr>
               <p:cNvPr id="7" name="Tijdelijke aanduiding voor inhoud 6"/>
@@ -29400,7 +29388,7 @@
                 <a:tabLst/>
                 <a:defRPr/>
               </a:pPr>
-              <a:t>9 juli 2025</a:t>
+              <a:t>16 juli 2025</a:t>
             </a:fld>
             <a:endParaRPr kumimoji="0" lang="nl-NL" sz="1100" b="0" i="0" u="none" strike="noStrike" kern="1200" cap="none" spc="0" normalizeH="0" baseline="0" noProof="0" dirty="0">
               <a:ln>
@@ -29479,8 +29467,8 @@
           </a:p>
         </p:txBody>
       </p:sp>
-      <mc:AlternateContent xmlns:mc="http://schemas.openxmlformats.org/markup-compatibility/2006">
-        <mc:Choice xmlns:a14="http://schemas.microsoft.com/office/drawing/2010/main" Requires="a14">
+      <mc:AlternateContent xmlns:mc="http://schemas.openxmlformats.org/markup-compatibility/2006" xmlns:a14="http://schemas.microsoft.com/office/drawing/2010/main">
+        <mc:Choice Requires="a14">
           <p:sp>
             <p:nvSpPr>
               <p:cNvPr id="7" name="Tijdelijke aanduiding voor inhoud 6"/>
@@ -29605,15 +29593,7 @@
                 </a14:m>
                 <a:r>
                   <a:rPr lang="nl-NL" b="1" dirty="0" smtClean="0"/>
-                  <a:t> op van </a:t>
-                </a:r>
-                <a:r>
-                  <a:rPr lang="nl-NL" b="1" dirty="0" smtClean="0"/>
-                  <a:t>de </a:t>
-                </a:r>
-                <a:r>
-                  <a:rPr lang="nl-NL" b="1" dirty="0" smtClean="0"/>
-                  <a:t>regressielijn.</a:t>
+                  <a:t> op van de regressielijn.</a:t>
                 </a:r>
                 <a:endParaRPr lang="nl-NL" dirty="0" smtClean="0"/>
               </a:p>
@@ -29629,7 +29609,7 @@
             </p:txBody>
           </p:sp>
         </mc:Choice>
-        <mc:Fallback>
+        <mc:Fallback xmlns="">
           <p:sp>
             <p:nvSpPr>
               <p:cNvPr id="7" name="Tijdelijke aanduiding voor inhoud 6"/>
@@ -29731,7 +29711,7 @@
                 <a:tabLst/>
                 <a:defRPr/>
               </a:pPr>
-              <a:t>9 juli 2025</a:t>
+              <a:t>16 juli 2025</a:t>
             </a:fld>
             <a:endParaRPr kumimoji="0" lang="nl-NL" sz="1100" b="0" i="0" u="none" strike="noStrike" kern="1200" cap="none" spc="0" normalizeH="0" baseline="0" noProof="0">
               <a:ln>
@@ -30698,7 +30678,7 @@
                 <a:tabLst/>
                 <a:defRPr/>
               </a:pPr>
-              <a:t>9 juli 2025</a:t>
+              <a:t>16 juli 2025</a:t>
             </a:fld>
             <a:endParaRPr kumimoji="0" lang="nl-NL" sz="1100" b="0" i="0" u="none" strike="noStrike" kern="1200" cap="none" spc="0" normalizeH="0" baseline="0" noProof="0">
               <a:ln>
@@ -30717,8 +30697,8 @@
           </a:p>
         </p:txBody>
       </p:sp>
-      <mc:AlternateContent xmlns:mc="http://schemas.openxmlformats.org/markup-compatibility/2006">
-        <mc:Choice xmlns:a14="http://schemas.microsoft.com/office/drawing/2010/main" Requires="a14">
+      <mc:AlternateContent xmlns:mc="http://schemas.openxmlformats.org/markup-compatibility/2006" xmlns:a14="http://schemas.microsoft.com/office/drawing/2010/main">
+        <mc:Choice Requires="a14">
           <p:graphicFrame>
             <p:nvGraphicFramePr>
               <p:cNvPr id="5" name="Tabel 4"/>
@@ -31756,7 +31736,7 @@
             </a:graphic>
           </p:graphicFrame>
         </mc:Choice>
-        <mc:Fallback>
+        <mc:Fallback xmlns="">
           <p:graphicFrame>
             <p:nvGraphicFramePr>
               <p:cNvPr id="5" name="Tabel 4"/>
@@ -32436,8 +32416,8 @@
           </a:p>
         </p:txBody>
       </p:sp>
-      <mc:AlternateContent xmlns:mc="http://schemas.openxmlformats.org/markup-compatibility/2006">
-        <mc:Choice xmlns:a14="http://schemas.microsoft.com/office/drawing/2010/main" Requires="a14">
+      <mc:AlternateContent xmlns:mc="http://schemas.openxmlformats.org/markup-compatibility/2006" xmlns:a14="http://schemas.microsoft.com/office/drawing/2010/main">
+        <mc:Choice Requires="a14">
           <p:sp>
             <p:nvSpPr>
               <p:cNvPr id="8" name="Tijdelijke aanduiding voor inhoud 7"/>
@@ -32459,11 +32439,7 @@
                 </a:pPr>
                 <a:r>
                   <a:rPr lang="nl-NL" dirty="0" smtClean="0"/>
-                  <a:t>De </a:t>
-                </a:r>
-                <a:r>
-                  <a:rPr lang="nl-NL" dirty="0" smtClean="0"/>
-                  <a:t>lineaire regressielijn </a:t>
+                  <a:t>De lineaire regressielijn </a:t>
                 </a:r>
                 <a14:m>
                   <m:oMath xmlns:m="http://schemas.openxmlformats.org/officeDocument/2006/math">
@@ -32536,13 +32512,8 @@
                 </a:pPr>
                 <a:r>
                   <a:rPr lang="nl-NL" dirty="0" smtClean="0"/>
-                  <a:t>Je mag niet zomaar extrapoleren buiten de </a:t>
+                  <a:t>Je mag niet zomaar extrapoleren buiten de dataset! </a:t>
                 </a:r>
-                <a:r>
-                  <a:rPr lang="nl-NL" dirty="0" smtClean="0"/>
-                  <a:t>dataset! </a:t>
-                </a:r>
-                <a:endParaRPr lang="nl-NL" dirty="0" smtClean="0"/>
               </a:p>
               <a:p>
                 <a:pPr marL="717550" lvl="1" indent="-342900">
@@ -32747,7 +32718,7 @@
             </p:txBody>
           </p:sp>
         </mc:Choice>
-        <mc:Fallback>
+        <mc:Fallback xmlns="">
           <p:sp>
             <p:nvSpPr>
               <p:cNvPr id="8" name="Tijdelijke aanduiding voor inhoud 7"/>
@@ -32845,7 +32816,7 @@
                 <a:tabLst/>
                 <a:defRPr/>
               </a:pPr>
-              <a:t>9 juli 2025</a:t>
+              <a:t>16 juli 2025</a:t>
             </a:fld>
             <a:endParaRPr kumimoji="0" lang="nl-NL" sz="1100" b="0" i="0" u="none" strike="noStrike" kern="1200" cap="none" spc="0" normalizeH="0" baseline="0" noProof="0">
               <a:ln>
@@ -32924,8 +32895,8 @@
           </a:p>
         </p:txBody>
       </p:sp>
-      <mc:AlternateContent xmlns:mc="http://schemas.openxmlformats.org/markup-compatibility/2006">
-        <mc:Choice xmlns:a14="http://schemas.microsoft.com/office/drawing/2010/main" Requires="a14">
+      <mc:AlternateContent xmlns:mc="http://schemas.openxmlformats.org/markup-compatibility/2006" xmlns:a14="http://schemas.microsoft.com/office/drawing/2010/main">
+        <mc:Choice Requires="a14">
           <p:sp>
             <p:nvSpPr>
               <p:cNvPr id="8" name="Tijdelijke aanduiding voor inhoud 7"/>
@@ -33082,15 +33053,7 @@
                       <a:schemeClr val="tx1"/>
                     </a:solidFill>
                   </a:rPr>
-                  <a:t>Om verantwoorde voorspellingen </a:t>
-                </a:r>
-                <a:r>
-                  <a:rPr lang="nl-NL" dirty="0" smtClean="0">
-                    <a:solidFill>
-                      <a:schemeClr val="tx1"/>
-                    </a:solidFill>
-                  </a:rPr>
-                  <a:t>voor </a:t>
+                  <a:t>Om verantwoorde voorspellingen voor </a:t>
                 </a:r>
                 <a14:m>
                   <m:oMath xmlns:m="http://schemas.openxmlformats.org/officeDocument/2006/math">
@@ -33175,23 +33138,7 @@
                       <a:schemeClr val="tx1"/>
                     </a:solidFill>
                   </a:rPr>
-                  <a:t> te </a:t>
-                </a:r>
-                <a:r>
-                  <a:rPr lang="nl-NL" dirty="0" smtClean="0">
-                    <a:solidFill>
-                      <a:schemeClr val="tx1"/>
-                    </a:solidFill>
-                  </a:rPr>
-                  <a:t>kunnen doen, moeten we ook de </a:t>
-                </a:r>
-                <a:r>
-                  <a:rPr lang="nl-NL" dirty="0" smtClean="0">
-                    <a:solidFill>
-                      <a:schemeClr val="tx1"/>
-                    </a:solidFill>
-                  </a:rPr>
-                  <a:t>storingsterm </a:t>
+                  <a:t> te kunnen doen, moeten we ook de storingsterm </a:t>
                 </a:r>
                 <a14:m>
                   <m:oMath xmlns:m="http://schemas.openxmlformats.org/officeDocument/2006/math">
@@ -33257,15 +33204,7 @@
                       <a:schemeClr val="tx1"/>
                     </a:solidFill>
                   </a:rPr>
-                  <a:t> bestuderen. Dit doen we door allereerst </a:t>
-                </a:r>
-                <a:r>
-                  <a:rPr lang="nl-NL" dirty="0" smtClean="0">
-                    <a:solidFill>
-                      <a:schemeClr val="tx1"/>
-                    </a:solidFill>
-                  </a:rPr>
-                  <a:t>de variantie </a:t>
+                  <a:t> bestuderen. Dit doen we door allereerst de variantie </a:t>
                 </a:r>
                 <a14:m>
                   <m:oMath xmlns:m="http://schemas.openxmlformats.org/officeDocument/2006/math">
@@ -33354,6 +33293,7 @@
                 </a:endParaRPr>
               </a:p>
               <a:p>
+                <a:pPr/>
                 <a14:m>
                   <m:oMathPara xmlns:m="http://schemas.openxmlformats.org/officeDocument/2006/math">
                     <m:oMathParaPr>
@@ -34358,6 +34298,14 @@
                     </m:d>
                   </m:oMath>
                 </a14:m>
+                <a:r>
+                  <a:rPr lang="en-US" dirty="0" smtClean="0">
+                    <a:solidFill>
+                      <a:schemeClr val="tx1"/>
+                    </a:solidFill>
+                  </a:rPr>
+                  <a:t>.</a:t>
+                </a:r>
                 <a:endParaRPr lang="en-US" dirty="0">
                   <a:solidFill>
                     <a:schemeClr val="tx1"/>
@@ -34367,7 +34315,7 @@
             </p:txBody>
           </p:sp>
         </mc:Choice>
-        <mc:Fallback>
+        <mc:Fallback xmlns="">
           <p:sp>
             <p:nvSpPr>
               <p:cNvPr id="8" name="Tijdelijke aanduiding voor inhoud 7"/>
@@ -34469,7 +34417,7 @@
                 <a:tabLst/>
                 <a:defRPr/>
               </a:pPr>
-              <a:t>9 juli 2025</a:t>
+              <a:t>16 juli 2025</a:t>
             </a:fld>
             <a:endParaRPr kumimoji="0" lang="nl-NL" sz="1100" b="0" i="0" u="none" strike="noStrike" kern="1200" cap="none" spc="0" normalizeH="0" baseline="0" noProof="0">
               <a:ln>
@@ -34525,8 +34473,8 @@
           <a:chExt cx="0" cy="0"/>
         </a:xfrm>
       </p:grpSpPr>
-      <mc:AlternateContent xmlns:mc="http://schemas.openxmlformats.org/markup-compatibility/2006">
-        <mc:Choice xmlns:a14="http://schemas.microsoft.com/office/drawing/2010/main" Requires="a14">
+      <mc:AlternateContent xmlns:mc="http://schemas.openxmlformats.org/markup-compatibility/2006" xmlns:a14="http://schemas.microsoft.com/office/drawing/2010/main">
+        <mc:Choice Requires="a14">
           <p:sp>
             <p:nvSpPr>
               <p:cNvPr id="2" name="Title 1"/>
@@ -34611,7 +34559,7 @@
             </p:txBody>
           </p:sp>
         </mc:Choice>
-        <mc:Fallback>
+        <mc:Fallback xmlns="">
           <p:sp>
             <p:nvSpPr>
               <p:cNvPr id="2" name="Title 1"/>
@@ -34649,8 +34597,8 @@
           </p:sp>
         </mc:Fallback>
       </mc:AlternateContent>
-      <mc:AlternateContent xmlns:mc="http://schemas.openxmlformats.org/markup-compatibility/2006">
-        <mc:Choice xmlns:a14="http://schemas.microsoft.com/office/drawing/2010/main" Requires="a14">
+      <mc:AlternateContent xmlns:mc="http://schemas.openxmlformats.org/markup-compatibility/2006" xmlns:a14="http://schemas.microsoft.com/office/drawing/2010/main">
+        <mc:Choice Requires="a14">
           <p:sp>
             <p:nvSpPr>
               <p:cNvPr id="8" name="Tijdelijke aanduiding voor inhoud 7"/>
@@ -34855,6 +34803,24 @@
                         </m:r>
                       </m:e>
                       <m:e>
+                        <m:r>
+                          <a:rPr lang="nl-NL" sz="2200" b="0" i="1" smtClean="0">
+                            <a:solidFill>
+                              <a:schemeClr val="tx1"/>
+                            </a:solidFill>
+                            <a:latin typeface="Cambria Math" panose="02040503050406030204" pitchFamily="18" charset="0"/>
+                          </a:rPr>
+                          <m:t>𝑋</m:t>
+                        </m:r>
+                        <m:r>
+                          <a:rPr lang="nl-NL" sz="2200" b="0" i="1" smtClean="0">
+                            <a:solidFill>
+                              <a:schemeClr val="tx1"/>
+                            </a:solidFill>
+                            <a:latin typeface="Cambria Math" panose="02040503050406030204" pitchFamily="18" charset="0"/>
+                          </a:rPr>
+                          <m:t>=</m:t>
+                        </m:r>
                         <m:sSub>
                           <m:sSubPr>
                             <m:ctrlPr>
@@ -34954,6 +34920,24 @@
                         <a:latin typeface="Cambria Math" panose="02040503050406030204" pitchFamily="18" charset="0"/>
                       </a:rPr>
                       <m:t>∣</m:t>
+                    </m:r>
+                    <m:r>
+                      <a:rPr lang="nl-NL" sz="2200" b="0" i="1" smtClean="0">
+                        <a:solidFill>
+                          <a:schemeClr val="tx1"/>
+                        </a:solidFill>
+                        <a:latin typeface="Cambria Math" panose="02040503050406030204" pitchFamily="18" charset="0"/>
+                      </a:rPr>
+                      <m:t>𝑋</m:t>
+                    </m:r>
+                    <m:r>
+                      <a:rPr lang="nl-NL" sz="2200" b="0" i="1" smtClean="0">
+                        <a:solidFill>
+                          <a:schemeClr val="tx1"/>
+                        </a:solidFill>
+                        <a:latin typeface="Cambria Math" panose="02040503050406030204" pitchFamily="18" charset="0"/>
+                      </a:rPr>
+                      <m:t>=</m:t>
                     </m:r>
                     <m:sSub>
                       <m:sSubPr>
@@ -35065,6 +35049,7 @@
                 </a:endParaRPr>
               </a:p>
               <a:p>
+                <a:pPr/>
                 <a14:m>
                   <m:oMathPara xmlns:m="http://schemas.openxmlformats.org/officeDocument/2006/math">
                     <m:oMathParaPr>
@@ -35705,6 +35690,7 @@
                 </a:endParaRPr>
               </a:p>
               <a:p>
+                <a:pPr/>
                 <a14:m>
                   <m:oMathPara xmlns:m="http://schemas.openxmlformats.org/officeDocument/2006/math">
                     <m:oMathParaPr>
@@ -35861,6 +35847,7 @@
                 </a:endParaRPr>
               </a:p>
               <a:p>
+                <a:pPr/>
                 <a14:m>
                   <m:oMathPara xmlns:m="http://schemas.openxmlformats.org/officeDocument/2006/math">
                     <m:oMathParaPr>
@@ -35931,7 +35918,7 @@
                               </a:solidFill>
                               <a:latin typeface="Cambria Math" panose="02040503050406030204" pitchFamily="18" charset="0"/>
                             </a:rPr>
-                            <m:t>𝑋</m:t>
+                            <m:t>𝑥</m:t>
                           </m:r>
                         </m:e>
                         <m:sub>
@@ -36071,7 +36058,7 @@
                               </a:solidFill>
                               <a:latin typeface="Cambria Math" panose="02040503050406030204" pitchFamily="18" charset="0"/>
                             </a:rPr>
-                            <m:t>𝑋</m:t>
+                            <m:t>𝑥</m:t>
                           </m:r>
                         </m:e>
                         <m:sub>
@@ -36168,7 +36155,7 @@
             </p:txBody>
           </p:sp>
         </mc:Choice>
-        <mc:Fallback>
+        <mc:Fallback xmlns="">
           <p:sp>
             <p:nvSpPr>
               <p:cNvPr id="8" name="Tijdelijke aanduiding voor inhoud 7"/>
@@ -36270,7 +36257,7 @@
                 <a:tabLst/>
                 <a:defRPr/>
               </a:pPr>
-              <a:t>9 juli 2025</a:t>
+              <a:t>16 juli 2025</a:t>
             </a:fld>
             <a:endParaRPr kumimoji="0" lang="nl-NL" sz="1100" b="0" i="0" u="none" strike="noStrike" kern="1200" cap="none" spc="0" normalizeH="0" baseline="0" noProof="0">
               <a:ln>
@@ -36480,8 +36467,12 @@
               <a:defRPr/>
             </a:pPr>
             <a:r>
-              <a:rPr lang="nl-NL" smtClean="0"/>
-              <a:t>Mei 2025</a:t>
+              <a:rPr lang="nl-NL" dirty="0" smtClean="0"/>
+              <a:t>16 juli </a:t>
+            </a:r>
+            <a:r>
+              <a:rPr lang="nl-NL" dirty="0" smtClean="0"/>
+              <a:t>2025</a:t>
             </a:r>
             <a:endParaRPr lang="nl-NL" dirty="0"/>
           </a:p>
@@ -36519,8 +36510,8 @@
           <a:chExt cx="0" cy="0"/>
         </a:xfrm>
       </p:grpSpPr>
-      <mc:AlternateContent xmlns:mc="http://schemas.openxmlformats.org/markup-compatibility/2006">
-        <mc:Choice xmlns:a14="http://schemas.microsoft.com/office/drawing/2010/main" Requires="a14">
+      <mc:AlternateContent xmlns:mc="http://schemas.openxmlformats.org/markup-compatibility/2006" xmlns:a14="http://schemas.microsoft.com/office/drawing/2010/main">
+        <mc:Choice Requires="a14">
           <p:sp>
             <p:nvSpPr>
               <p:cNvPr id="2" name="Title 1"/>
@@ -36604,7 +36595,7 @@
             </p:txBody>
           </p:sp>
         </mc:Choice>
-        <mc:Fallback>
+        <mc:Fallback xmlns="">
           <p:sp>
             <p:nvSpPr>
               <p:cNvPr id="2" name="Title 1"/>
@@ -36638,8 +36629,8 @@
           </p:sp>
         </mc:Fallback>
       </mc:AlternateContent>
-      <mc:AlternateContent xmlns:mc="http://schemas.openxmlformats.org/markup-compatibility/2006">
-        <mc:Choice xmlns:a14="http://schemas.microsoft.com/office/drawing/2010/main" Requires="a14">
+      <mc:AlternateContent xmlns:mc="http://schemas.openxmlformats.org/markup-compatibility/2006" xmlns:a14="http://schemas.microsoft.com/office/drawing/2010/main">
+        <mc:Choice Requires="a14">
           <p:sp>
             <p:nvSpPr>
               <p:cNvPr id="8" name="Tijdelijke aanduiding voor inhoud 7"/>
@@ -37038,6 +37029,7 @@
                 </a:endParaRPr>
               </a:p>
               <a:p>
+                <a:pPr/>
                 <a14:m>
                   <m:oMathPara xmlns:m="http://schemas.openxmlformats.org/officeDocument/2006/math">
                     <m:oMathParaPr>
@@ -37659,6 +37651,7 @@
                 </a:endParaRPr>
               </a:p>
               <a:p>
+                <a:pPr/>
                 <a14:m>
                   <m:oMathPara xmlns:m="http://schemas.openxmlformats.org/officeDocument/2006/math">
                     <m:oMathParaPr>
@@ -37815,6 +37808,7 @@
                 </a:endParaRPr>
               </a:p>
               <a:p>
+                <a:pPr/>
                 <a14:m>
                   <m:oMathPara xmlns:m="http://schemas.openxmlformats.org/officeDocument/2006/math">
                     <m:oMathParaPr>
@@ -38122,7 +38116,7 @@
             </p:txBody>
           </p:sp>
         </mc:Choice>
-        <mc:Fallback>
+        <mc:Fallback xmlns="">
           <p:sp>
             <p:nvSpPr>
               <p:cNvPr id="8" name="Tijdelijke aanduiding voor inhoud 7"/>
@@ -38224,7 +38218,7 @@
                 <a:tabLst/>
                 <a:defRPr/>
               </a:pPr>
-              <a:t>9 juli 2025</a:t>
+              <a:t>16 juli 2025</a:t>
             </a:fld>
             <a:endParaRPr kumimoji="0" lang="nl-NL" sz="1100" b="0" i="0" u="none" strike="noStrike" kern="1200" cap="none" spc="0" normalizeH="0" baseline="0" noProof="0">
               <a:ln>
@@ -38330,8 +38324,8 @@
           </a:xfrm>
         </p:spPr>
       </p:pic>
-      <mc:AlternateContent xmlns:mc="http://schemas.openxmlformats.org/markup-compatibility/2006">
-        <mc:Choice xmlns:a14="http://schemas.microsoft.com/office/drawing/2010/main" Requires="a14">
+      <mc:AlternateContent xmlns:mc="http://schemas.openxmlformats.org/markup-compatibility/2006" xmlns:a14="http://schemas.microsoft.com/office/drawing/2010/main">
+        <mc:Choice Requires="a14">
           <p:sp>
             <p:nvSpPr>
               <p:cNvPr id="6" name="Tijdelijke aanduiding voor inhoud 5"/>
@@ -38530,7 +38524,7 @@
             </p:txBody>
           </p:sp>
         </mc:Choice>
-        <mc:Fallback>
+        <mc:Fallback xmlns="">
           <p:sp>
             <p:nvSpPr>
               <p:cNvPr id="6" name="Tijdelijke aanduiding voor inhoud 5"/>
@@ -38632,7 +38626,7 @@
                 <a:tabLst/>
                 <a:defRPr/>
               </a:pPr>
-              <a:t>9 juli 2025</a:t>
+              <a:t>16 juli 2025</a:t>
             </a:fld>
             <a:endParaRPr kumimoji="0" lang="nl-NL" sz="1100" b="0" i="0" u="none" strike="noStrike" kern="1200" cap="none" spc="0" normalizeH="0" baseline="0" noProof="0">
               <a:ln>
@@ -38741,9 +38735,6 @@
               </a:rPr>
               <a:t>Correlatie en regressie</a:t>
             </a:r>
-            <a:endParaRPr lang="nl-NL" sz="2400" dirty="0" smtClean="0">
-              <a:latin typeface="RijksoverheidSansText" panose="020B0503040202060203" pitchFamily="34" charset="0"/>
-            </a:endParaRPr>
           </a:p>
           <a:p>
             <a:pPr marL="717550" lvl="1" indent="-342900">
@@ -38878,13 +38869,7 @@
               <a:rPr lang="en-US" sz="2400" dirty="0" smtClean="0">
                 <a:latin typeface="RijksoverheidSansText" panose="020B0503040202060203" pitchFamily="34" charset="0"/>
               </a:rPr>
-              <a:t>401-408), 13.2.1-13.2.3 </a:t>
-            </a:r>
-            <a:r>
-              <a:rPr lang="en-US" sz="2400" dirty="0" smtClean="0">
-                <a:latin typeface="RijksoverheidSansText" panose="020B0503040202060203" pitchFamily="34" charset="0"/>
-              </a:rPr>
-              <a:t>(</a:t>
+              <a:t>401-408), 13.2.1-13.2.3 (</a:t>
             </a:r>
             <a:r>
               <a:rPr lang="en-US" sz="2400" dirty="0" err="1">
@@ -38977,35 +38962,8 @@
               <a:rPr lang="en-US" sz="2400" dirty="0" smtClean="0">
                 <a:latin typeface="RijksoverheidSansText" panose="020B0503040202060203" pitchFamily="34" charset="0"/>
               </a:rPr>
-              <a:t>13: m1-m4, </a:t>
+              <a:t>13: m1-m4, m6, 13.1, 13.4, 13.5, 13.9, 13.11, 13.15</a:t>
             </a:r>
-            <a:r>
-              <a:rPr lang="en-US" sz="2400" dirty="0" smtClean="0">
-                <a:latin typeface="RijksoverheidSansText" panose="020B0503040202060203" pitchFamily="34" charset="0"/>
-              </a:rPr>
-              <a:t>m6, </a:t>
-            </a:r>
-            <a:r>
-              <a:rPr lang="en-US" sz="2400" dirty="0" smtClean="0">
-                <a:latin typeface="RijksoverheidSansText" panose="020B0503040202060203" pitchFamily="34" charset="0"/>
-              </a:rPr>
-              <a:t>13.1</a:t>
-            </a:r>
-            <a:r>
-              <a:rPr lang="en-US" sz="2400" dirty="0" smtClean="0">
-                <a:latin typeface="RijksoverheidSansText" panose="020B0503040202060203" pitchFamily="34" charset="0"/>
-              </a:rPr>
-              <a:t>, </a:t>
-            </a:r>
-            <a:r>
-              <a:rPr lang="en-US" sz="2400" dirty="0" smtClean="0">
-                <a:latin typeface="RijksoverheidSansText" panose="020B0503040202060203" pitchFamily="34" charset="0"/>
-              </a:rPr>
-              <a:t>13.4, 13.5, 13.9, 13.11, 13.15</a:t>
-            </a:r>
-            <a:endParaRPr lang="en-US" sz="2400" dirty="0" smtClean="0">
-              <a:latin typeface="RijksoverheidSansText" panose="020B0503040202060203" pitchFamily="34" charset="0"/>
-            </a:endParaRPr>
           </a:p>
         </p:txBody>
       </p:sp>
@@ -39135,8 +39093,8 @@
           </a:p>
         </p:txBody>
       </p:sp>
-      <mc:AlternateContent xmlns:mc="http://schemas.openxmlformats.org/markup-compatibility/2006">
-        <mc:Choice xmlns:a14="http://schemas.microsoft.com/office/drawing/2010/main" Requires="a14">
+      <mc:AlternateContent xmlns:mc="http://schemas.openxmlformats.org/markup-compatibility/2006" xmlns:a14="http://schemas.microsoft.com/office/drawing/2010/main">
+        <mc:Choice Requires="a14">
           <p:sp>
             <p:nvSpPr>
               <p:cNvPr id="8" name="Tijdelijke aanduiding voor inhoud 7"/>
@@ -39188,23 +39146,7 @@
                 </a:r>
                 <a:r>
                   <a:rPr lang="nl-NL" dirty="0" smtClean="0"/>
-                  <a:t>(lineaire) samenhang </a:t>
-                </a:r>
-                <a:r>
-                  <a:rPr lang="nl-NL" dirty="0" smtClean="0"/>
-                  <a:t>van </a:t>
-                </a:r>
-                <a:r>
-                  <a:rPr lang="nl-NL" dirty="0" smtClean="0"/>
-                  <a:t>twee </a:t>
-                </a:r>
-                <a:r>
-                  <a:rPr lang="nl-NL" dirty="0" smtClean="0"/>
-                  <a:t>ratio </a:t>
-                </a:r>
-                <a:r>
-                  <a:rPr lang="nl-NL" dirty="0" smtClean="0"/>
-                  <a:t>variabelen </a:t>
+                  <a:t>(lineaire) samenhang van twee ratio variabelen </a:t>
                 </a:r>
                 <a14:m>
                   <m:oMath xmlns:m="http://schemas.openxmlformats.org/officeDocument/2006/math">
@@ -39242,7 +39184,7 @@
             </p:txBody>
           </p:sp>
         </mc:Choice>
-        <mc:Fallback>
+        <mc:Fallback xmlns="">
           <p:sp>
             <p:nvSpPr>
               <p:cNvPr id="8" name="Tijdelijke aanduiding voor inhoud 7"/>
@@ -39340,7 +39282,7 @@
                 <a:tabLst/>
                 <a:defRPr/>
               </a:pPr>
-              <a:t>9 juli 2025</a:t>
+              <a:t>16 juli 2025</a:t>
             </a:fld>
             <a:endParaRPr kumimoji="0" lang="nl-NL" sz="1100" b="0" i="0" u="none" strike="noStrike" kern="1200" cap="none" spc="0" normalizeH="0" baseline="0" noProof="0">
               <a:ln>
@@ -39476,11 +39418,7 @@
                       </a:pPr>
                       <a:r>
                         <a:rPr lang="nl-NL" sz="2400" dirty="0" smtClean="0"/>
-                        <a:t>Verbanden </a:t>
-                      </a:r>
-                      <a:r>
-                        <a:rPr lang="nl-NL" sz="2400" dirty="0" smtClean="0"/>
-                        <a:t>tussen twee onafhankelijke</a:t>
+                        <a:t>Verbanden tussen twee onafhankelijke</a:t>
                       </a:r>
                       <a:r>
                         <a:rPr lang="nl-NL" sz="2400" baseline="0" dirty="0" smtClean="0"/>
@@ -43253,7 +43191,7 @@
                 <a:tabLst/>
                 <a:defRPr/>
               </a:pPr>
-              <a:t>9 juli 2025</a:t>
+              <a:t>16 juli 2025</a:t>
             </a:fld>
             <a:endParaRPr kumimoji="0" lang="nl-NL" sz="1100" b="0" i="0" u="none" strike="noStrike" kern="1200" cap="none" spc="0" normalizeH="0" baseline="0" noProof="0">
               <a:ln>
@@ -43590,7 +43528,7 @@
                 <a:tabLst/>
                 <a:defRPr/>
               </a:pPr>
-              <a:t>9 juli 2025</a:t>
+              <a:t>16 juli 2025</a:t>
             </a:fld>
             <a:endParaRPr kumimoji="0" lang="nl-NL" sz="1100" b="0" i="0" u="none" strike="noStrike" kern="1200" cap="none" spc="0" normalizeH="0" baseline="0" noProof="0">
               <a:ln>
@@ -45005,7 +44943,7 @@
                 <a:tabLst/>
                 <a:defRPr/>
               </a:pPr>
-              <a:t>9 juli 2025</a:t>
+              <a:t>16 juli 2025</a:t>
             </a:fld>
             <a:endParaRPr kumimoji="0" lang="nl-NL" sz="1100" b="0" i="0" u="none" strike="noStrike" kern="1200" cap="none" spc="0" normalizeH="0" baseline="0" noProof="0">
               <a:ln>
@@ -45999,7 +45937,7 @@
                 <a:tabLst/>
                 <a:defRPr/>
               </a:pPr>
-              <a:t>9 juli 2025</a:t>
+              <a:t>16 juli 2025</a:t>
             </a:fld>
             <a:endParaRPr kumimoji="0" lang="nl-NL" sz="1100" b="0" i="0" u="none" strike="noStrike" kern="1200" cap="none" spc="0" normalizeH="0" baseline="0" noProof="0">
               <a:ln>
@@ -47125,7 +47063,7 @@
                 <a:tabLst/>
                 <a:defRPr/>
               </a:pPr>
-              <a:t>9 juli 2025</a:t>
+              <a:t>16 juli 2025</a:t>
             </a:fld>
             <a:endParaRPr kumimoji="0" lang="nl-NL" sz="1100" b="0" i="0" u="none" strike="noStrike" kern="1200" cap="none" spc="0" normalizeH="0" baseline="0" noProof="0">
               <a:ln>
